--- a/ppt 16-9/0691.恳救主祝福.pptx
+++ b/ppt 16-9/0691.恳救主祝福.pptx
@@ -129,7 +129,7 @@
           <p:cNvPr id="2" name="标题 1">
             <a:extLst>
               <a:ext uri="{FF2B5EF4-FFF2-40B4-BE49-F238E27FC236}">
-                <a16:creationId xmlns:a16="http://schemas.microsoft.com/office/drawing/2014/main" id="{4A301E64-AD3C-E7DD-9620-6FD30EA7D0ED}"/>
+                <a16:creationId xmlns:a16="http://schemas.microsoft.com/office/drawing/2014/main" id="{9738EF64-1D55-ED18-4BB1-F158C039C1F9}"/>
               </a:ext>
             </a:extLst>
           </p:cNvPr>
@@ -166,7 +166,7 @@
           <p:cNvPr id="3" name="副标题 2">
             <a:extLst>
               <a:ext uri="{FF2B5EF4-FFF2-40B4-BE49-F238E27FC236}">
-                <a16:creationId xmlns:a16="http://schemas.microsoft.com/office/drawing/2014/main" id="{58B7A5C1-EA87-42AF-160A-80F973A0DF36}"/>
+                <a16:creationId xmlns:a16="http://schemas.microsoft.com/office/drawing/2014/main" id="{0147078F-F6DC-7CA6-1AFA-C7A84099A1C0}"/>
               </a:ext>
             </a:extLst>
           </p:cNvPr>
@@ -236,7 +236,7 @@
           <p:cNvPr id="4" name="日期占位符 3">
             <a:extLst>
               <a:ext uri="{FF2B5EF4-FFF2-40B4-BE49-F238E27FC236}">
-                <a16:creationId xmlns:a16="http://schemas.microsoft.com/office/drawing/2014/main" id="{5E204AB2-88E7-49BB-9BA3-FE8A40938916}"/>
+                <a16:creationId xmlns:a16="http://schemas.microsoft.com/office/drawing/2014/main" id="{2464E3E5-40DB-F6C1-F8E0-8F79BF558356}"/>
               </a:ext>
             </a:extLst>
           </p:cNvPr>
@@ -252,7 +252,7 @@
           <a:bodyPr/>
           <a:lstStyle/>
           <a:p>
-            <a:fld id="{E75F2451-3E8C-4261-BD39-340C0FC1B8A3}" type="datetimeFigureOut">
+            <a:fld id="{7B9AC5AA-DFAE-4600-BAD2-AA78411B2AD6}" type="datetimeFigureOut">
               <a:rPr lang="zh-CN" altLang="en-US" smtClean="0"/>
               <a:t>2024/3/10</a:t>
             </a:fld>
@@ -265,7 +265,7 @@
           <p:cNvPr id="5" name="页脚占位符 4">
             <a:extLst>
               <a:ext uri="{FF2B5EF4-FFF2-40B4-BE49-F238E27FC236}">
-                <a16:creationId xmlns:a16="http://schemas.microsoft.com/office/drawing/2014/main" id="{3B2BEA46-F048-658B-9D70-D4715B407BAA}"/>
+                <a16:creationId xmlns:a16="http://schemas.microsoft.com/office/drawing/2014/main" id="{474AEE52-9F05-6AC2-73E8-96A21958C675}"/>
               </a:ext>
             </a:extLst>
           </p:cNvPr>
@@ -290,7 +290,7 @@
           <p:cNvPr id="6" name="灯片编号占位符 5">
             <a:extLst>
               <a:ext uri="{FF2B5EF4-FFF2-40B4-BE49-F238E27FC236}">
-                <a16:creationId xmlns:a16="http://schemas.microsoft.com/office/drawing/2014/main" id="{CCE36649-BD21-1D50-55FF-62DF178CCE57}"/>
+                <a16:creationId xmlns:a16="http://schemas.microsoft.com/office/drawing/2014/main" id="{1888F432-FFD8-7B1B-76CC-FB86FD639D81}"/>
               </a:ext>
             </a:extLst>
           </p:cNvPr>
@@ -306,7 +306,7 @@
           <a:bodyPr/>
           <a:lstStyle/>
           <a:p>
-            <a:fld id="{7B1FC9C6-26B4-4462-89E3-C032A277A810}" type="slidenum">
+            <a:fld id="{8CE03247-273D-47A4-AA89-E4365486FFC1}" type="slidenum">
               <a:rPr lang="zh-CN" altLang="en-US" smtClean="0"/>
               <a:t>‹#›</a:t>
             </a:fld>
@@ -317,7 +317,7 @@
     </p:spTree>
     <p:extLst>
       <p:ext uri="{BB962C8B-B14F-4D97-AF65-F5344CB8AC3E}">
-        <p14:creationId xmlns:p14="http://schemas.microsoft.com/office/powerpoint/2010/main" val="1510694808"/>
+        <p14:creationId xmlns:p14="http://schemas.microsoft.com/office/powerpoint/2010/main" val="3954037240"/>
       </p:ext>
     </p:extLst>
   </p:cSld>
@@ -349,7 +349,7 @@
           <p:cNvPr id="2" name="标题 1">
             <a:extLst>
               <a:ext uri="{FF2B5EF4-FFF2-40B4-BE49-F238E27FC236}">
-                <a16:creationId xmlns:a16="http://schemas.microsoft.com/office/drawing/2014/main" id="{5F220DA1-DFD8-6219-A6D8-7757B28C71DC}"/>
+                <a16:creationId xmlns:a16="http://schemas.microsoft.com/office/drawing/2014/main" id="{A5345EBD-C795-F507-E39D-3ACD6D22ADFD}"/>
               </a:ext>
             </a:extLst>
           </p:cNvPr>
@@ -377,7 +377,7 @@
           <p:cNvPr id="3" name="竖排文字占位符 2">
             <a:extLst>
               <a:ext uri="{FF2B5EF4-FFF2-40B4-BE49-F238E27FC236}">
-                <a16:creationId xmlns:a16="http://schemas.microsoft.com/office/drawing/2014/main" id="{EBD25731-3648-3354-0220-4C17DDBE7D1D}"/>
+                <a16:creationId xmlns:a16="http://schemas.microsoft.com/office/drawing/2014/main" id="{BC499445-0FED-6DA6-A307-72EEDAA1E87D}"/>
               </a:ext>
             </a:extLst>
           </p:cNvPr>
@@ -434,7 +434,7 @@
           <p:cNvPr id="4" name="日期占位符 3">
             <a:extLst>
               <a:ext uri="{FF2B5EF4-FFF2-40B4-BE49-F238E27FC236}">
-                <a16:creationId xmlns:a16="http://schemas.microsoft.com/office/drawing/2014/main" id="{DF05B617-6A50-620A-F528-7328EF98A199}"/>
+                <a16:creationId xmlns:a16="http://schemas.microsoft.com/office/drawing/2014/main" id="{975E67BB-4593-6C6B-4508-247606339512}"/>
               </a:ext>
             </a:extLst>
           </p:cNvPr>
@@ -450,7 +450,7 @@
           <a:bodyPr/>
           <a:lstStyle/>
           <a:p>
-            <a:fld id="{E75F2451-3E8C-4261-BD39-340C0FC1B8A3}" type="datetimeFigureOut">
+            <a:fld id="{7B9AC5AA-DFAE-4600-BAD2-AA78411B2AD6}" type="datetimeFigureOut">
               <a:rPr lang="zh-CN" altLang="en-US" smtClean="0"/>
               <a:t>2024/3/10</a:t>
             </a:fld>
@@ -463,7 +463,7 @@
           <p:cNvPr id="5" name="页脚占位符 4">
             <a:extLst>
               <a:ext uri="{FF2B5EF4-FFF2-40B4-BE49-F238E27FC236}">
-                <a16:creationId xmlns:a16="http://schemas.microsoft.com/office/drawing/2014/main" id="{0602BAF4-7C81-AE93-CEFE-B12CAE99AF79}"/>
+                <a16:creationId xmlns:a16="http://schemas.microsoft.com/office/drawing/2014/main" id="{E9434C0D-718D-F16E-62EE-58D165FED8E6}"/>
               </a:ext>
             </a:extLst>
           </p:cNvPr>
@@ -488,7 +488,7 @@
           <p:cNvPr id="6" name="灯片编号占位符 5">
             <a:extLst>
               <a:ext uri="{FF2B5EF4-FFF2-40B4-BE49-F238E27FC236}">
-                <a16:creationId xmlns:a16="http://schemas.microsoft.com/office/drawing/2014/main" id="{C7549F5D-E1CD-133A-D03A-CB4EBF777644}"/>
+                <a16:creationId xmlns:a16="http://schemas.microsoft.com/office/drawing/2014/main" id="{E3A73564-802F-45DC-AE0C-A537BFEB85BA}"/>
               </a:ext>
             </a:extLst>
           </p:cNvPr>
@@ -504,7 +504,7 @@
           <a:bodyPr/>
           <a:lstStyle/>
           <a:p>
-            <a:fld id="{7B1FC9C6-26B4-4462-89E3-C032A277A810}" type="slidenum">
+            <a:fld id="{8CE03247-273D-47A4-AA89-E4365486FFC1}" type="slidenum">
               <a:rPr lang="zh-CN" altLang="en-US" smtClean="0"/>
               <a:t>‹#›</a:t>
             </a:fld>
@@ -515,7 +515,7 @@
     </p:spTree>
     <p:extLst>
       <p:ext uri="{BB962C8B-B14F-4D97-AF65-F5344CB8AC3E}">
-        <p14:creationId xmlns:p14="http://schemas.microsoft.com/office/powerpoint/2010/main" val="2940823825"/>
+        <p14:creationId xmlns:p14="http://schemas.microsoft.com/office/powerpoint/2010/main" val="3499048088"/>
       </p:ext>
     </p:extLst>
   </p:cSld>
@@ -547,7 +547,7 @@
           <p:cNvPr id="2" name="竖排标题 1">
             <a:extLst>
               <a:ext uri="{FF2B5EF4-FFF2-40B4-BE49-F238E27FC236}">
-                <a16:creationId xmlns:a16="http://schemas.microsoft.com/office/drawing/2014/main" id="{C27DD887-9CA4-68B5-A4B9-B2F4BC1C2505}"/>
+                <a16:creationId xmlns:a16="http://schemas.microsoft.com/office/drawing/2014/main" id="{A9A793E4-17F9-6D78-136F-65AA23AEA592}"/>
               </a:ext>
             </a:extLst>
           </p:cNvPr>
@@ -580,7 +580,7 @@
           <p:cNvPr id="3" name="竖排文字占位符 2">
             <a:extLst>
               <a:ext uri="{FF2B5EF4-FFF2-40B4-BE49-F238E27FC236}">
-                <a16:creationId xmlns:a16="http://schemas.microsoft.com/office/drawing/2014/main" id="{7986101F-F288-7D86-4B3A-F0A74626EE7D}"/>
+                <a16:creationId xmlns:a16="http://schemas.microsoft.com/office/drawing/2014/main" id="{2A3E845F-14EF-BF8D-7731-4D70A399C724}"/>
               </a:ext>
             </a:extLst>
           </p:cNvPr>
@@ -642,7 +642,7 @@
           <p:cNvPr id="4" name="日期占位符 3">
             <a:extLst>
               <a:ext uri="{FF2B5EF4-FFF2-40B4-BE49-F238E27FC236}">
-                <a16:creationId xmlns:a16="http://schemas.microsoft.com/office/drawing/2014/main" id="{D8A9AEBC-71D4-85D4-AD6A-CDA811618193}"/>
+                <a16:creationId xmlns:a16="http://schemas.microsoft.com/office/drawing/2014/main" id="{D729BC90-E5B9-05C9-64DD-33DB4A2A758C}"/>
               </a:ext>
             </a:extLst>
           </p:cNvPr>
@@ -658,7 +658,7 @@
           <a:bodyPr/>
           <a:lstStyle/>
           <a:p>
-            <a:fld id="{E75F2451-3E8C-4261-BD39-340C0FC1B8A3}" type="datetimeFigureOut">
+            <a:fld id="{7B9AC5AA-DFAE-4600-BAD2-AA78411B2AD6}" type="datetimeFigureOut">
               <a:rPr lang="zh-CN" altLang="en-US" smtClean="0"/>
               <a:t>2024/3/10</a:t>
             </a:fld>
@@ -671,7 +671,7 @@
           <p:cNvPr id="5" name="页脚占位符 4">
             <a:extLst>
               <a:ext uri="{FF2B5EF4-FFF2-40B4-BE49-F238E27FC236}">
-                <a16:creationId xmlns:a16="http://schemas.microsoft.com/office/drawing/2014/main" id="{786DB093-FDDD-360C-E3F5-21664F2D4183}"/>
+                <a16:creationId xmlns:a16="http://schemas.microsoft.com/office/drawing/2014/main" id="{4395C8C8-728D-6990-2764-C36B85BBB939}"/>
               </a:ext>
             </a:extLst>
           </p:cNvPr>
@@ -696,7 +696,7 @@
           <p:cNvPr id="6" name="灯片编号占位符 5">
             <a:extLst>
               <a:ext uri="{FF2B5EF4-FFF2-40B4-BE49-F238E27FC236}">
-                <a16:creationId xmlns:a16="http://schemas.microsoft.com/office/drawing/2014/main" id="{9F1801E2-1404-2865-EEC9-BDFDB8998276}"/>
+                <a16:creationId xmlns:a16="http://schemas.microsoft.com/office/drawing/2014/main" id="{AB5BAB32-49F5-8419-1C49-2AC027F7E3E5}"/>
               </a:ext>
             </a:extLst>
           </p:cNvPr>
@@ -712,7 +712,7 @@
           <a:bodyPr/>
           <a:lstStyle/>
           <a:p>
-            <a:fld id="{7B1FC9C6-26B4-4462-89E3-C032A277A810}" type="slidenum">
+            <a:fld id="{8CE03247-273D-47A4-AA89-E4365486FFC1}" type="slidenum">
               <a:rPr lang="zh-CN" altLang="en-US" smtClean="0"/>
               <a:t>‹#›</a:t>
             </a:fld>
@@ -723,7 +723,7 @@
     </p:spTree>
     <p:extLst>
       <p:ext uri="{BB962C8B-B14F-4D97-AF65-F5344CB8AC3E}">
-        <p14:creationId xmlns:p14="http://schemas.microsoft.com/office/powerpoint/2010/main" val="3967495621"/>
+        <p14:creationId xmlns:p14="http://schemas.microsoft.com/office/powerpoint/2010/main" val="1740953376"/>
       </p:ext>
     </p:extLst>
   </p:cSld>
@@ -755,7 +755,7 @@
           <p:cNvPr id="2" name="标题 1">
             <a:extLst>
               <a:ext uri="{FF2B5EF4-FFF2-40B4-BE49-F238E27FC236}">
-                <a16:creationId xmlns:a16="http://schemas.microsoft.com/office/drawing/2014/main" id="{98E84721-E9C5-7CD6-F12F-4AD61887833E}"/>
+                <a16:creationId xmlns:a16="http://schemas.microsoft.com/office/drawing/2014/main" id="{7E5089B6-6DAD-1BBF-695C-89DD539217EE}"/>
               </a:ext>
             </a:extLst>
           </p:cNvPr>
@@ -783,7 +783,7 @@
           <p:cNvPr id="3" name="内容占位符 2">
             <a:extLst>
               <a:ext uri="{FF2B5EF4-FFF2-40B4-BE49-F238E27FC236}">
-                <a16:creationId xmlns:a16="http://schemas.microsoft.com/office/drawing/2014/main" id="{B5CDDD2C-70F5-D4D6-55C5-4C11AF03B359}"/>
+                <a16:creationId xmlns:a16="http://schemas.microsoft.com/office/drawing/2014/main" id="{ECD60C16-205F-AE27-323F-4FDD9EEB3F03}"/>
               </a:ext>
             </a:extLst>
           </p:cNvPr>
@@ -840,7 +840,7 @@
           <p:cNvPr id="4" name="日期占位符 3">
             <a:extLst>
               <a:ext uri="{FF2B5EF4-FFF2-40B4-BE49-F238E27FC236}">
-                <a16:creationId xmlns:a16="http://schemas.microsoft.com/office/drawing/2014/main" id="{9A6ABD87-22B0-87CA-F266-DEE015914625}"/>
+                <a16:creationId xmlns:a16="http://schemas.microsoft.com/office/drawing/2014/main" id="{CB3EC2C1-0E03-A791-7348-111CC76240B1}"/>
               </a:ext>
             </a:extLst>
           </p:cNvPr>
@@ -856,7 +856,7 @@
           <a:bodyPr/>
           <a:lstStyle/>
           <a:p>
-            <a:fld id="{E75F2451-3E8C-4261-BD39-340C0FC1B8A3}" type="datetimeFigureOut">
+            <a:fld id="{7B9AC5AA-DFAE-4600-BAD2-AA78411B2AD6}" type="datetimeFigureOut">
               <a:rPr lang="zh-CN" altLang="en-US" smtClean="0"/>
               <a:t>2024/3/10</a:t>
             </a:fld>
@@ -869,7 +869,7 @@
           <p:cNvPr id="5" name="页脚占位符 4">
             <a:extLst>
               <a:ext uri="{FF2B5EF4-FFF2-40B4-BE49-F238E27FC236}">
-                <a16:creationId xmlns:a16="http://schemas.microsoft.com/office/drawing/2014/main" id="{16E0EBD8-E233-F4F0-1CB6-30B181C68067}"/>
+                <a16:creationId xmlns:a16="http://schemas.microsoft.com/office/drawing/2014/main" id="{5627F4D1-7A38-37B3-300C-7A6FE7CAD149}"/>
               </a:ext>
             </a:extLst>
           </p:cNvPr>
@@ -894,7 +894,7 @@
           <p:cNvPr id="6" name="灯片编号占位符 5">
             <a:extLst>
               <a:ext uri="{FF2B5EF4-FFF2-40B4-BE49-F238E27FC236}">
-                <a16:creationId xmlns:a16="http://schemas.microsoft.com/office/drawing/2014/main" id="{9DD8F356-8926-0F50-221B-8DB49819E265}"/>
+                <a16:creationId xmlns:a16="http://schemas.microsoft.com/office/drawing/2014/main" id="{CF7E8E24-D331-56E7-7723-5C897C27EC51}"/>
               </a:ext>
             </a:extLst>
           </p:cNvPr>
@@ -910,7 +910,7 @@
           <a:bodyPr/>
           <a:lstStyle/>
           <a:p>
-            <a:fld id="{7B1FC9C6-26B4-4462-89E3-C032A277A810}" type="slidenum">
+            <a:fld id="{8CE03247-273D-47A4-AA89-E4365486FFC1}" type="slidenum">
               <a:rPr lang="zh-CN" altLang="en-US" smtClean="0"/>
               <a:t>‹#›</a:t>
             </a:fld>
@@ -921,7 +921,7 @@
     </p:spTree>
     <p:extLst>
       <p:ext uri="{BB962C8B-B14F-4D97-AF65-F5344CB8AC3E}">
-        <p14:creationId xmlns:p14="http://schemas.microsoft.com/office/powerpoint/2010/main" val="275065609"/>
+        <p14:creationId xmlns:p14="http://schemas.microsoft.com/office/powerpoint/2010/main" val="932187340"/>
       </p:ext>
     </p:extLst>
   </p:cSld>
@@ -953,7 +953,7 @@
           <p:cNvPr id="2" name="标题 1">
             <a:extLst>
               <a:ext uri="{FF2B5EF4-FFF2-40B4-BE49-F238E27FC236}">
-                <a16:creationId xmlns:a16="http://schemas.microsoft.com/office/drawing/2014/main" id="{BF3ECD1E-B739-563A-DC18-B8E09F46D0BC}"/>
+                <a16:creationId xmlns:a16="http://schemas.microsoft.com/office/drawing/2014/main" id="{BDDC1CA0-9E39-DCCB-DCAB-CB4B51B5F32A}"/>
               </a:ext>
             </a:extLst>
           </p:cNvPr>
@@ -990,7 +990,7 @@
           <p:cNvPr id="3" name="文本占位符 2">
             <a:extLst>
               <a:ext uri="{FF2B5EF4-FFF2-40B4-BE49-F238E27FC236}">
-                <a16:creationId xmlns:a16="http://schemas.microsoft.com/office/drawing/2014/main" id="{061878D4-4859-DE93-504E-6F9ED16ED172}"/>
+                <a16:creationId xmlns:a16="http://schemas.microsoft.com/office/drawing/2014/main" id="{3AD99269-6D7E-D519-0894-DF60D76918CF}"/>
               </a:ext>
             </a:extLst>
           </p:cNvPr>
@@ -1115,7 +1115,7 @@
           <p:cNvPr id="4" name="日期占位符 3">
             <a:extLst>
               <a:ext uri="{FF2B5EF4-FFF2-40B4-BE49-F238E27FC236}">
-                <a16:creationId xmlns:a16="http://schemas.microsoft.com/office/drawing/2014/main" id="{88F735DA-BA19-ACBA-209B-AC3CB8304E05}"/>
+                <a16:creationId xmlns:a16="http://schemas.microsoft.com/office/drawing/2014/main" id="{F59F22DF-CE82-F1DA-3A22-EB87CB239CB5}"/>
               </a:ext>
             </a:extLst>
           </p:cNvPr>
@@ -1131,7 +1131,7 @@
           <a:bodyPr/>
           <a:lstStyle/>
           <a:p>
-            <a:fld id="{E75F2451-3E8C-4261-BD39-340C0FC1B8A3}" type="datetimeFigureOut">
+            <a:fld id="{7B9AC5AA-DFAE-4600-BAD2-AA78411B2AD6}" type="datetimeFigureOut">
               <a:rPr lang="zh-CN" altLang="en-US" smtClean="0"/>
               <a:t>2024/3/10</a:t>
             </a:fld>
@@ -1144,7 +1144,7 @@
           <p:cNvPr id="5" name="页脚占位符 4">
             <a:extLst>
               <a:ext uri="{FF2B5EF4-FFF2-40B4-BE49-F238E27FC236}">
-                <a16:creationId xmlns:a16="http://schemas.microsoft.com/office/drawing/2014/main" id="{A012E9B5-EB7F-F55C-0D6E-62413BB34E8B}"/>
+                <a16:creationId xmlns:a16="http://schemas.microsoft.com/office/drawing/2014/main" id="{6D70A7EA-0B1E-D5E0-FC54-A221D1830F66}"/>
               </a:ext>
             </a:extLst>
           </p:cNvPr>
@@ -1169,7 +1169,7 @@
           <p:cNvPr id="6" name="灯片编号占位符 5">
             <a:extLst>
               <a:ext uri="{FF2B5EF4-FFF2-40B4-BE49-F238E27FC236}">
-                <a16:creationId xmlns:a16="http://schemas.microsoft.com/office/drawing/2014/main" id="{4E673635-A5C0-D138-DF70-46982481D97E}"/>
+                <a16:creationId xmlns:a16="http://schemas.microsoft.com/office/drawing/2014/main" id="{C3F13898-83FF-6162-7EBE-500D52A7A596}"/>
               </a:ext>
             </a:extLst>
           </p:cNvPr>
@@ -1185,7 +1185,7 @@
           <a:bodyPr/>
           <a:lstStyle/>
           <a:p>
-            <a:fld id="{7B1FC9C6-26B4-4462-89E3-C032A277A810}" type="slidenum">
+            <a:fld id="{8CE03247-273D-47A4-AA89-E4365486FFC1}" type="slidenum">
               <a:rPr lang="zh-CN" altLang="en-US" smtClean="0"/>
               <a:t>‹#›</a:t>
             </a:fld>
@@ -1196,7 +1196,7 @@
     </p:spTree>
     <p:extLst>
       <p:ext uri="{BB962C8B-B14F-4D97-AF65-F5344CB8AC3E}">
-        <p14:creationId xmlns:p14="http://schemas.microsoft.com/office/powerpoint/2010/main" val="596693797"/>
+        <p14:creationId xmlns:p14="http://schemas.microsoft.com/office/powerpoint/2010/main" val="3704330689"/>
       </p:ext>
     </p:extLst>
   </p:cSld>
@@ -1228,7 +1228,7 @@
           <p:cNvPr id="2" name="标题 1">
             <a:extLst>
               <a:ext uri="{FF2B5EF4-FFF2-40B4-BE49-F238E27FC236}">
-                <a16:creationId xmlns:a16="http://schemas.microsoft.com/office/drawing/2014/main" id="{EBD329BC-1518-CE43-AF84-3F8CD878F3AF}"/>
+                <a16:creationId xmlns:a16="http://schemas.microsoft.com/office/drawing/2014/main" id="{874360DA-E8BC-5C2E-86CF-131C7C4C9664}"/>
               </a:ext>
             </a:extLst>
           </p:cNvPr>
@@ -1256,7 +1256,7 @@
           <p:cNvPr id="3" name="内容占位符 2">
             <a:extLst>
               <a:ext uri="{FF2B5EF4-FFF2-40B4-BE49-F238E27FC236}">
-                <a16:creationId xmlns:a16="http://schemas.microsoft.com/office/drawing/2014/main" id="{5AA3C614-B20E-87BC-B4D5-B28DCB8BD95C}"/>
+                <a16:creationId xmlns:a16="http://schemas.microsoft.com/office/drawing/2014/main" id="{E746738E-E505-5394-7904-FAFF26D6A6BC}"/>
               </a:ext>
             </a:extLst>
           </p:cNvPr>
@@ -1318,7 +1318,7 @@
           <p:cNvPr id="4" name="内容占位符 3">
             <a:extLst>
               <a:ext uri="{FF2B5EF4-FFF2-40B4-BE49-F238E27FC236}">
-                <a16:creationId xmlns:a16="http://schemas.microsoft.com/office/drawing/2014/main" id="{A3AA90CA-7FD7-8FF1-A8BE-934152FDE47B}"/>
+                <a16:creationId xmlns:a16="http://schemas.microsoft.com/office/drawing/2014/main" id="{90A5401A-2BFF-0052-1C6B-61252BD8DCC3}"/>
               </a:ext>
             </a:extLst>
           </p:cNvPr>
@@ -1380,7 +1380,7 @@
           <p:cNvPr id="5" name="日期占位符 4">
             <a:extLst>
               <a:ext uri="{FF2B5EF4-FFF2-40B4-BE49-F238E27FC236}">
-                <a16:creationId xmlns:a16="http://schemas.microsoft.com/office/drawing/2014/main" id="{FF0EBCF5-7078-7799-9849-8CFC706C6A7C}"/>
+                <a16:creationId xmlns:a16="http://schemas.microsoft.com/office/drawing/2014/main" id="{91AD7E6A-A9BB-A425-F7DE-987CE37EFBEF}"/>
               </a:ext>
             </a:extLst>
           </p:cNvPr>
@@ -1396,7 +1396,7 @@
           <a:bodyPr/>
           <a:lstStyle/>
           <a:p>
-            <a:fld id="{E75F2451-3E8C-4261-BD39-340C0FC1B8A3}" type="datetimeFigureOut">
+            <a:fld id="{7B9AC5AA-DFAE-4600-BAD2-AA78411B2AD6}" type="datetimeFigureOut">
               <a:rPr lang="zh-CN" altLang="en-US" smtClean="0"/>
               <a:t>2024/3/10</a:t>
             </a:fld>
@@ -1409,7 +1409,7 @@
           <p:cNvPr id="6" name="页脚占位符 5">
             <a:extLst>
               <a:ext uri="{FF2B5EF4-FFF2-40B4-BE49-F238E27FC236}">
-                <a16:creationId xmlns:a16="http://schemas.microsoft.com/office/drawing/2014/main" id="{9DE60DE7-A160-7358-6570-BB9A1FF0F0A1}"/>
+                <a16:creationId xmlns:a16="http://schemas.microsoft.com/office/drawing/2014/main" id="{042D5FE7-4B01-C76D-F8F8-B3A8F2BC77F6}"/>
               </a:ext>
             </a:extLst>
           </p:cNvPr>
@@ -1434,7 +1434,7 @@
           <p:cNvPr id="7" name="灯片编号占位符 6">
             <a:extLst>
               <a:ext uri="{FF2B5EF4-FFF2-40B4-BE49-F238E27FC236}">
-                <a16:creationId xmlns:a16="http://schemas.microsoft.com/office/drawing/2014/main" id="{F6CC68AA-306D-A427-A9D5-43CA00DF64DC}"/>
+                <a16:creationId xmlns:a16="http://schemas.microsoft.com/office/drawing/2014/main" id="{67A3084E-EB30-C230-4D61-58519FC78D8C}"/>
               </a:ext>
             </a:extLst>
           </p:cNvPr>
@@ -1450,7 +1450,7 @@
           <a:bodyPr/>
           <a:lstStyle/>
           <a:p>
-            <a:fld id="{7B1FC9C6-26B4-4462-89E3-C032A277A810}" type="slidenum">
+            <a:fld id="{8CE03247-273D-47A4-AA89-E4365486FFC1}" type="slidenum">
               <a:rPr lang="zh-CN" altLang="en-US" smtClean="0"/>
               <a:t>‹#›</a:t>
             </a:fld>
@@ -1461,7 +1461,7 @@
     </p:spTree>
     <p:extLst>
       <p:ext uri="{BB962C8B-B14F-4D97-AF65-F5344CB8AC3E}">
-        <p14:creationId xmlns:p14="http://schemas.microsoft.com/office/powerpoint/2010/main" val="1850876533"/>
+        <p14:creationId xmlns:p14="http://schemas.microsoft.com/office/powerpoint/2010/main" val="2565972655"/>
       </p:ext>
     </p:extLst>
   </p:cSld>
@@ -1493,7 +1493,7 @@
           <p:cNvPr id="2" name="标题 1">
             <a:extLst>
               <a:ext uri="{FF2B5EF4-FFF2-40B4-BE49-F238E27FC236}">
-                <a16:creationId xmlns:a16="http://schemas.microsoft.com/office/drawing/2014/main" id="{2A499EB9-9997-861E-DE14-7231C2B1B757}"/>
+                <a16:creationId xmlns:a16="http://schemas.microsoft.com/office/drawing/2014/main" id="{264AAED6-C4CB-8565-C555-0CA2863B570A}"/>
               </a:ext>
             </a:extLst>
           </p:cNvPr>
@@ -1526,7 +1526,7 @@
           <p:cNvPr id="3" name="文本占位符 2">
             <a:extLst>
               <a:ext uri="{FF2B5EF4-FFF2-40B4-BE49-F238E27FC236}">
-                <a16:creationId xmlns:a16="http://schemas.microsoft.com/office/drawing/2014/main" id="{4273599E-7A14-882E-0FDB-78D7C3C709E1}"/>
+                <a16:creationId xmlns:a16="http://schemas.microsoft.com/office/drawing/2014/main" id="{FDDEE1AD-9C2F-FEB8-9E42-FA7DEACB73D9}"/>
               </a:ext>
             </a:extLst>
           </p:cNvPr>
@@ -1597,7 +1597,7 @@
           <p:cNvPr id="4" name="内容占位符 3">
             <a:extLst>
               <a:ext uri="{FF2B5EF4-FFF2-40B4-BE49-F238E27FC236}">
-                <a16:creationId xmlns:a16="http://schemas.microsoft.com/office/drawing/2014/main" id="{36E3B9A5-AA8D-857D-FF5A-DF931F8455ED}"/>
+                <a16:creationId xmlns:a16="http://schemas.microsoft.com/office/drawing/2014/main" id="{56FFFC2C-22C3-51C1-DB55-F000FA5B95E2}"/>
               </a:ext>
             </a:extLst>
           </p:cNvPr>
@@ -1659,7 +1659,7 @@
           <p:cNvPr id="5" name="文本占位符 4">
             <a:extLst>
               <a:ext uri="{FF2B5EF4-FFF2-40B4-BE49-F238E27FC236}">
-                <a16:creationId xmlns:a16="http://schemas.microsoft.com/office/drawing/2014/main" id="{872B8EDC-CB85-0F7A-1E56-816058EF1FE5}"/>
+                <a16:creationId xmlns:a16="http://schemas.microsoft.com/office/drawing/2014/main" id="{3C7E68B4-BD7B-41FF-2831-50728DC5749B}"/>
               </a:ext>
             </a:extLst>
           </p:cNvPr>
@@ -1730,7 +1730,7 @@
           <p:cNvPr id="6" name="内容占位符 5">
             <a:extLst>
               <a:ext uri="{FF2B5EF4-FFF2-40B4-BE49-F238E27FC236}">
-                <a16:creationId xmlns:a16="http://schemas.microsoft.com/office/drawing/2014/main" id="{25C1B7B6-6230-9A53-30BB-22D8E3DF8D68}"/>
+                <a16:creationId xmlns:a16="http://schemas.microsoft.com/office/drawing/2014/main" id="{AC840CFE-6E18-E2C0-C33C-962A895E32E8}"/>
               </a:ext>
             </a:extLst>
           </p:cNvPr>
@@ -1792,7 +1792,7 @@
           <p:cNvPr id="7" name="日期占位符 6">
             <a:extLst>
               <a:ext uri="{FF2B5EF4-FFF2-40B4-BE49-F238E27FC236}">
-                <a16:creationId xmlns:a16="http://schemas.microsoft.com/office/drawing/2014/main" id="{9D8A236E-4408-D853-E856-D4A80806A2AD}"/>
+                <a16:creationId xmlns:a16="http://schemas.microsoft.com/office/drawing/2014/main" id="{7C82C20D-3CA6-2BC6-F22D-D7D073E90A78}"/>
               </a:ext>
             </a:extLst>
           </p:cNvPr>
@@ -1808,7 +1808,7 @@
           <a:bodyPr/>
           <a:lstStyle/>
           <a:p>
-            <a:fld id="{E75F2451-3E8C-4261-BD39-340C0FC1B8A3}" type="datetimeFigureOut">
+            <a:fld id="{7B9AC5AA-DFAE-4600-BAD2-AA78411B2AD6}" type="datetimeFigureOut">
               <a:rPr lang="zh-CN" altLang="en-US" smtClean="0"/>
               <a:t>2024/3/10</a:t>
             </a:fld>
@@ -1821,7 +1821,7 @@
           <p:cNvPr id="8" name="页脚占位符 7">
             <a:extLst>
               <a:ext uri="{FF2B5EF4-FFF2-40B4-BE49-F238E27FC236}">
-                <a16:creationId xmlns:a16="http://schemas.microsoft.com/office/drawing/2014/main" id="{A8634F3E-EF75-2118-AB1C-BC7A5E80B018}"/>
+                <a16:creationId xmlns:a16="http://schemas.microsoft.com/office/drawing/2014/main" id="{B9F4FDF3-48AF-9343-72F1-20A55BA52FE9}"/>
               </a:ext>
             </a:extLst>
           </p:cNvPr>
@@ -1846,7 +1846,7 @@
           <p:cNvPr id="9" name="灯片编号占位符 8">
             <a:extLst>
               <a:ext uri="{FF2B5EF4-FFF2-40B4-BE49-F238E27FC236}">
-                <a16:creationId xmlns:a16="http://schemas.microsoft.com/office/drawing/2014/main" id="{A2C3A913-B99D-C369-8B59-9635742C4C2B}"/>
+                <a16:creationId xmlns:a16="http://schemas.microsoft.com/office/drawing/2014/main" id="{423C8C36-4939-0708-7BFE-6E02221F7115}"/>
               </a:ext>
             </a:extLst>
           </p:cNvPr>
@@ -1862,7 +1862,7 @@
           <a:bodyPr/>
           <a:lstStyle/>
           <a:p>
-            <a:fld id="{7B1FC9C6-26B4-4462-89E3-C032A277A810}" type="slidenum">
+            <a:fld id="{8CE03247-273D-47A4-AA89-E4365486FFC1}" type="slidenum">
               <a:rPr lang="zh-CN" altLang="en-US" smtClean="0"/>
               <a:t>‹#›</a:t>
             </a:fld>
@@ -1873,7 +1873,7 @@
     </p:spTree>
     <p:extLst>
       <p:ext uri="{BB962C8B-B14F-4D97-AF65-F5344CB8AC3E}">
-        <p14:creationId xmlns:p14="http://schemas.microsoft.com/office/powerpoint/2010/main" val="4039396693"/>
+        <p14:creationId xmlns:p14="http://schemas.microsoft.com/office/powerpoint/2010/main" val="3713905625"/>
       </p:ext>
     </p:extLst>
   </p:cSld>
@@ -1905,7 +1905,7 @@
           <p:cNvPr id="2" name="标题 1">
             <a:extLst>
               <a:ext uri="{FF2B5EF4-FFF2-40B4-BE49-F238E27FC236}">
-                <a16:creationId xmlns:a16="http://schemas.microsoft.com/office/drawing/2014/main" id="{DA4DC23A-5D35-FC88-1F28-A4630C33C827}"/>
+                <a16:creationId xmlns:a16="http://schemas.microsoft.com/office/drawing/2014/main" id="{877A39C9-421A-6A2F-2BE1-A1828FDFD5C3}"/>
               </a:ext>
             </a:extLst>
           </p:cNvPr>
@@ -1933,7 +1933,7 @@
           <p:cNvPr id="3" name="日期占位符 2">
             <a:extLst>
               <a:ext uri="{FF2B5EF4-FFF2-40B4-BE49-F238E27FC236}">
-                <a16:creationId xmlns:a16="http://schemas.microsoft.com/office/drawing/2014/main" id="{F3186462-5D66-0750-9306-BAC1CD6026AA}"/>
+                <a16:creationId xmlns:a16="http://schemas.microsoft.com/office/drawing/2014/main" id="{63234320-0629-F355-50A2-BEB6F8AABD01}"/>
               </a:ext>
             </a:extLst>
           </p:cNvPr>
@@ -1949,7 +1949,7 @@
           <a:bodyPr/>
           <a:lstStyle/>
           <a:p>
-            <a:fld id="{E75F2451-3E8C-4261-BD39-340C0FC1B8A3}" type="datetimeFigureOut">
+            <a:fld id="{7B9AC5AA-DFAE-4600-BAD2-AA78411B2AD6}" type="datetimeFigureOut">
               <a:rPr lang="zh-CN" altLang="en-US" smtClean="0"/>
               <a:t>2024/3/10</a:t>
             </a:fld>
@@ -1962,7 +1962,7 @@
           <p:cNvPr id="4" name="页脚占位符 3">
             <a:extLst>
               <a:ext uri="{FF2B5EF4-FFF2-40B4-BE49-F238E27FC236}">
-                <a16:creationId xmlns:a16="http://schemas.microsoft.com/office/drawing/2014/main" id="{AA24265B-4398-1FBB-CE22-F3AA94785336}"/>
+                <a16:creationId xmlns:a16="http://schemas.microsoft.com/office/drawing/2014/main" id="{B03EAAE6-87BA-8F9A-AD45-F81A78134794}"/>
               </a:ext>
             </a:extLst>
           </p:cNvPr>
@@ -1987,7 +1987,7 @@
           <p:cNvPr id="5" name="灯片编号占位符 4">
             <a:extLst>
               <a:ext uri="{FF2B5EF4-FFF2-40B4-BE49-F238E27FC236}">
-                <a16:creationId xmlns:a16="http://schemas.microsoft.com/office/drawing/2014/main" id="{01FBD7F5-82A9-0E00-1D0C-86677F484EB9}"/>
+                <a16:creationId xmlns:a16="http://schemas.microsoft.com/office/drawing/2014/main" id="{D957C3E4-23FA-B0FE-9C30-9989A97259FD}"/>
               </a:ext>
             </a:extLst>
           </p:cNvPr>
@@ -2003,7 +2003,7 @@
           <a:bodyPr/>
           <a:lstStyle/>
           <a:p>
-            <a:fld id="{7B1FC9C6-26B4-4462-89E3-C032A277A810}" type="slidenum">
+            <a:fld id="{8CE03247-273D-47A4-AA89-E4365486FFC1}" type="slidenum">
               <a:rPr lang="zh-CN" altLang="en-US" smtClean="0"/>
               <a:t>‹#›</a:t>
             </a:fld>
@@ -2014,7 +2014,7 @@
     </p:spTree>
     <p:extLst>
       <p:ext uri="{BB962C8B-B14F-4D97-AF65-F5344CB8AC3E}">
-        <p14:creationId xmlns:p14="http://schemas.microsoft.com/office/powerpoint/2010/main" val="1605469844"/>
+        <p14:creationId xmlns:p14="http://schemas.microsoft.com/office/powerpoint/2010/main" val="2233521994"/>
       </p:ext>
     </p:extLst>
   </p:cSld>
@@ -2046,7 +2046,7 @@
           <p:cNvPr id="2" name="日期占位符 1">
             <a:extLst>
               <a:ext uri="{FF2B5EF4-FFF2-40B4-BE49-F238E27FC236}">
-                <a16:creationId xmlns:a16="http://schemas.microsoft.com/office/drawing/2014/main" id="{3D264222-93D5-9596-770C-F4E5338D7F0B}"/>
+                <a16:creationId xmlns:a16="http://schemas.microsoft.com/office/drawing/2014/main" id="{67FCE11F-CB34-C88C-8E86-6723A8F83A01}"/>
               </a:ext>
             </a:extLst>
           </p:cNvPr>
@@ -2062,7 +2062,7 @@
           <a:bodyPr/>
           <a:lstStyle/>
           <a:p>
-            <a:fld id="{E75F2451-3E8C-4261-BD39-340C0FC1B8A3}" type="datetimeFigureOut">
+            <a:fld id="{7B9AC5AA-DFAE-4600-BAD2-AA78411B2AD6}" type="datetimeFigureOut">
               <a:rPr lang="zh-CN" altLang="en-US" smtClean="0"/>
               <a:t>2024/3/10</a:t>
             </a:fld>
@@ -2075,7 +2075,7 @@
           <p:cNvPr id="3" name="页脚占位符 2">
             <a:extLst>
               <a:ext uri="{FF2B5EF4-FFF2-40B4-BE49-F238E27FC236}">
-                <a16:creationId xmlns:a16="http://schemas.microsoft.com/office/drawing/2014/main" id="{AD51442F-5E8B-287C-4656-25A85C307567}"/>
+                <a16:creationId xmlns:a16="http://schemas.microsoft.com/office/drawing/2014/main" id="{54990327-268F-A591-65D0-470A7A2A088F}"/>
               </a:ext>
             </a:extLst>
           </p:cNvPr>
@@ -2100,7 +2100,7 @@
           <p:cNvPr id="4" name="灯片编号占位符 3">
             <a:extLst>
               <a:ext uri="{FF2B5EF4-FFF2-40B4-BE49-F238E27FC236}">
-                <a16:creationId xmlns:a16="http://schemas.microsoft.com/office/drawing/2014/main" id="{6976B152-66CD-DE19-E02A-56C5A725EFCB}"/>
+                <a16:creationId xmlns:a16="http://schemas.microsoft.com/office/drawing/2014/main" id="{726AEFC9-5252-C9D4-F7A1-0A5A96F5EA18}"/>
               </a:ext>
             </a:extLst>
           </p:cNvPr>
@@ -2116,7 +2116,7 @@
           <a:bodyPr/>
           <a:lstStyle/>
           <a:p>
-            <a:fld id="{7B1FC9C6-26B4-4462-89E3-C032A277A810}" type="slidenum">
+            <a:fld id="{8CE03247-273D-47A4-AA89-E4365486FFC1}" type="slidenum">
               <a:rPr lang="zh-CN" altLang="en-US" smtClean="0"/>
               <a:t>‹#›</a:t>
             </a:fld>
@@ -2127,7 +2127,7 @@
     </p:spTree>
     <p:extLst>
       <p:ext uri="{BB962C8B-B14F-4D97-AF65-F5344CB8AC3E}">
-        <p14:creationId xmlns:p14="http://schemas.microsoft.com/office/powerpoint/2010/main" val="2527497659"/>
+        <p14:creationId xmlns:p14="http://schemas.microsoft.com/office/powerpoint/2010/main" val="194425658"/>
       </p:ext>
     </p:extLst>
   </p:cSld>
@@ -2159,7 +2159,7 @@
           <p:cNvPr id="2" name="标题 1">
             <a:extLst>
               <a:ext uri="{FF2B5EF4-FFF2-40B4-BE49-F238E27FC236}">
-                <a16:creationId xmlns:a16="http://schemas.microsoft.com/office/drawing/2014/main" id="{D98506AB-EC12-68AE-A874-76AF20D77549}"/>
+                <a16:creationId xmlns:a16="http://schemas.microsoft.com/office/drawing/2014/main" id="{E535F2F8-7840-F6AA-407D-373E83A6DD3C}"/>
               </a:ext>
             </a:extLst>
           </p:cNvPr>
@@ -2196,7 +2196,7 @@
           <p:cNvPr id="3" name="内容占位符 2">
             <a:extLst>
               <a:ext uri="{FF2B5EF4-FFF2-40B4-BE49-F238E27FC236}">
-                <a16:creationId xmlns:a16="http://schemas.microsoft.com/office/drawing/2014/main" id="{FE8F330B-6807-154C-686A-3F5F7E6E291B}"/>
+                <a16:creationId xmlns:a16="http://schemas.microsoft.com/office/drawing/2014/main" id="{A60BA353-C1B9-D546-7E2B-D29C1A0BF477}"/>
               </a:ext>
             </a:extLst>
           </p:cNvPr>
@@ -2286,7 +2286,7 @@
           <p:cNvPr id="4" name="文本占位符 3">
             <a:extLst>
               <a:ext uri="{FF2B5EF4-FFF2-40B4-BE49-F238E27FC236}">
-                <a16:creationId xmlns:a16="http://schemas.microsoft.com/office/drawing/2014/main" id="{552FBB30-1195-3468-5C33-8C9BBE727480}"/>
+                <a16:creationId xmlns:a16="http://schemas.microsoft.com/office/drawing/2014/main" id="{DE3A1C0F-468B-1E80-D253-3941CF76F5CA}"/>
               </a:ext>
             </a:extLst>
           </p:cNvPr>
@@ -2357,7 +2357,7 @@
           <p:cNvPr id="5" name="日期占位符 4">
             <a:extLst>
               <a:ext uri="{FF2B5EF4-FFF2-40B4-BE49-F238E27FC236}">
-                <a16:creationId xmlns:a16="http://schemas.microsoft.com/office/drawing/2014/main" id="{EBF7C6AC-EE8D-08C5-FA78-6843B8AF5534}"/>
+                <a16:creationId xmlns:a16="http://schemas.microsoft.com/office/drawing/2014/main" id="{B6043CFA-25C2-3A62-F961-0AC444741F3E}"/>
               </a:ext>
             </a:extLst>
           </p:cNvPr>
@@ -2373,7 +2373,7 @@
           <a:bodyPr/>
           <a:lstStyle/>
           <a:p>
-            <a:fld id="{E75F2451-3E8C-4261-BD39-340C0FC1B8A3}" type="datetimeFigureOut">
+            <a:fld id="{7B9AC5AA-DFAE-4600-BAD2-AA78411B2AD6}" type="datetimeFigureOut">
               <a:rPr lang="zh-CN" altLang="en-US" smtClean="0"/>
               <a:t>2024/3/10</a:t>
             </a:fld>
@@ -2386,7 +2386,7 @@
           <p:cNvPr id="6" name="页脚占位符 5">
             <a:extLst>
               <a:ext uri="{FF2B5EF4-FFF2-40B4-BE49-F238E27FC236}">
-                <a16:creationId xmlns:a16="http://schemas.microsoft.com/office/drawing/2014/main" id="{BEC7C1C8-EA59-C2ED-59C2-4B64E69D7110}"/>
+                <a16:creationId xmlns:a16="http://schemas.microsoft.com/office/drawing/2014/main" id="{5015B441-C96E-8528-1C66-81E23468B7FF}"/>
               </a:ext>
             </a:extLst>
           </p:cNvPr>
@@ -2411,7 +2411,7 @@
           <p:cNvPr id="7" name="灯片编号占位符 6">
             <a:extLst>
               <a:ext uri="{FF2B5EF4-FFF2-40B4-BE49-F238E27FC236}">
-                <a16:creationId xmlns:a16="http://schemas.microsoft.com/office/drawing/2014/main" id="{413CAEF1-4A8B-67E5-D2FC-DEF52E2DE868}"/>
+                <a16:creationId xmlns:a16="http://schemas.microsoft.com/office/drawing/2014/main" id="{E9972325-ED50-C253-E5A2-84A108CD3A07}"/>
               </a:ext>
             </a:extLst>
           </p:cNvPr>
@@ -2427,7 +2427,7 @@
           <a:bodyPr/>
           <a:lstStyle/>
           <a:p>
-            <a:fld id="{7B1FC9C6-26B4-4462-89E3-C032A277A810}" type="slidenum">
+            <a:fld id="{8CE03247-273D-47A4-AA89-E4365486FFC1}" type="slidenum">
               <a:rPr lang="zh-CN" altLang="en-US" smtClean="0"/>
               <a:t>‹#›</a:t>
             </a:fld>
@@ -2438,7 +2438,7 @@
     </p:spTree>
     <p:extLst>
       <p:ext uri="{BB962C8B-B14F-4D97-AF65-F5344CB8AC3E}">
-        <p14:creationId xmlns:p14="http://schemas.microsoft.com/office/powerpoint/2010/main" val="893443177"/>
+        <p14:creationId xmlns:p14="http://schemas.microsoft.com/office/powerpoint/2010/main" val="318849482"/>
       </p:ext>
     </p:extLst>
   </p:cSld>
@@ -2470,7 +2470,7 @@
           <p:cNvPr id="2" name="标题 1">
             <a:extLst>
               <a:ext uri="{FF2B5EF4-FFF2-40B4-BE49-F238E27FC236}">
-                <a16:creationId xmlns:a16="http://schemas.microsoft.com/office/drawing/2014/main" id="{1950E5EB-AE8E-C49D-6AFB-98801F6B26AD}"/>
+                <a16:creationId xmlns:a16="http://schemas.microsoft.com/office/drawing/2014/main" id="{76738BB8-6065-7D6A-E132-F0D25B675606}"/>
               </a:ext>
             </a:extLst>
           </p:cNvPr>
@@ -2507,7 +2507,7 @@
           <p:cNvPr id="3" name="图片占位符 2">
             <a:extLst>
               <a:ext uri="{FF2B5EF4-FFF2-40B4-BE49-F238E27FC236}">
-                <a16:creationId xmlns:a16="http://schemas.microsoft.com/office/drawing/2014/main" id="{75E59AC7-9929-3E9D-A497-31D906269C28}"/>
+                <a16:creationId xmlns:a16="http://schemas.microsoft.com/office/drawing/2014/main" id="{6CA2D664-EEEF-766B-4199-11D41A2C1029}"/>
               </a:ext>
             </a:extLst>
           </p:cNvPr>
@@ -2574,7 +2574,7 @@
           <p:cNvPr id="4" name="文本占位符 3">
             <a:extLst>
               <a:ext uri="{FF2B5EF4-FFF2-40B4-BE49-F238E27FC236}">
-                <a16:creationId xmlns:a16="http://schemas.microsoft.com/office/drawing/2014/main" id="{6E1EC777-7374-B8B6-2D2E-4F505F8A1418}"/>
+                <a16:creationId xmlns:a16="http://schemas.microsoft.com/office/drawing/2014/main" id="{7F1C0C16-B4FA-4E30-033B-C97EB0CB0617}"/>
               </a:ext>
             </a:extLst>
           </p:cNvPr>
@@ -2645,7 +2645,7 @@
           <p:cNvPr id="5" name="日期占位符 4">
             <a:extLst>
               <a:ext uri="{FF2B5EF4-FFF2-40B4-BE49-F238E27FC236}">
-                <a16:creationId xmlns:a16="http://schemas.microsoft.com/office/drawing/2014/main" id="{D9232FE3-C207-79EE-5F94-4112FB4D5358}"/>
+                <a16:creationId xmlns:a16="http://schemas.microsoft.com/office/drawing/2014/main" id="{B050AB44-BDED-CB72-FB79-E4C9726CBA5B}"/>
               </a:ext>
             </a:extLst>
           </p:cNvPr>
@@ -2661,7 +2661,7 @@
           <a:bodyPr/>
           <a:lstStyle/>
           <a:p>
-            <a:fld id="{E75F2451-3E8C-4261-BD39-340C0FC1B8A3}" type="datetimeFigureOut">
+            <a:fld id="{7B9AC5AA-DFAE-4600-BAD2-AA78411B2AD6}" type="datetimeFigureOut">
               <a:rPr lang="zh-CN" altLang="en-US" smtClean="0"/>
               <a:t>2024/3/10</a:t>
             </a:fld>
@@ -2674,7 +2674,7 @@
           <p:cNvPr id="6" name="页脚占位符 5">
             <a:extLst>
               <a:ext uri="{FF2B5EF4-FFF2-40B4-BE49-F238E27FC236}">
-                <a16:creationId xmlns:a16="http://schemas.microsoft.com/office/drawing/2014/main" id="{0E11C4F0-2039-BDFE-ED87-E5C524DB0A43}"/>
+                <a16:creationId xmlns:a16="http://schemas.microsoft.com/office/drawing/2014/main" id="{64EC7816-F53A-FD63-9115-D8F6E4435CDF}"/>
               </a:ext>
             </a:extLst>
           </p:cNvPr>
@@ -2699,7 +2699,7 @@
           <p:cNvPr id="7" name="灯片编号占位符 6">
             <a:extLst>
               <a:ext uri="{FF2B5EF4-FFF2-40B4-BE49-F238E27FC236}">
-                <a16:creationId xmlns:a16="http://schemas.microsoft.com/office/drawing/2014/main" id="{386CF3CA-638E-05AA-1A9A-7DDDCD054AA1}"/>
+                <a16:creationId xmlns:a16="http://schemas.microsoft.com/office/drawing/2014/main" id="{384898DB-7F7B-9487-AE75-4423926C614D}"/>
               </a:ext>
             </a:extLst>
           </p:cNvPr>
@@ -2715,7 +2715,7 @@
           <a:bodyPr/>
           <a:lstStyle/>
           <a:p>
-            <a:fld id="{7B1FC9C6-26B4-4462-89E3-C032A277A810}" type="slidenum">
+            <a:fld id="{8CE03247-273D-47A4-AA89-E4365486FFC1}" type="slidenum">
               <a:rPr lang="zh-CN" altLang="en-US" smtClean="0"/>
               <a:t>‹#›</a:t>
             </a:fld>
@@ -2726,7 +2726,7 @@
     </p:spTree>
     <p:extLst>
       <p:ext uri="{BB962C8B-B14F-4D97-AF65-F5344CB8AC3E}">
-        <p14:creationId xmlns:p14="http://schemas.microsoft.com/office/powerpoint/2010/main" val="1499787529"/>
+        <p14:creationId xmlns:p14="http://schemas.microsoft.com/office/powerpoint/2010/main" val="1185031912"/>
       </p:ext>
     </p:extLst>
   </p:cSld>
@@ -2763,7 +2763,7 @@
           <p:cNvPr id="2" name="标题占位符 1">
             <a:extLst>
               <a:ext uri="{FF2B5EF4-FFF2-40B4-BE49-F238E27FC236}">
-                <a16:creationId xmlns:a16="http://schemas.microsoft.com/office/drawing/2014/main" id="{876FA837-644A-6876-6471-4F8462E01F70}"/>
+                <a16:creationId xmlns:a16="http://schemas.microsoft.com/office/drawing/2014/main" id="{51E61737-2101-A59E-A7EA-E61552AFE31F}"/>
               </a:ext>
             </a:extLst>
           </p:cNvPr>
@@ -2801,7 +2801,7 @@
           <p:cNvPr id="3" name="文本占位符 2">
             <a:extLst>
               <a:ext uri="{FF2B5EF4-FFF2-40B4-BE49-F238E27FC236}">
-                <a16:creationId xmlns:a16="http://schemas.microsoft.com/office/drawing/2014/main" id="{B5BA7FFF-D4C4-978D-A7EF-BBD2754F4FC5}"/>
+                <a16:creationId xmlns:a16="http://schemas.microsoft.com/office/drawing/2014/main" id="{A7249A6D-E412-0CF8-083B-0D614E82F7F3}"/>
               </a:ext>
             </a:extLst>
           </p:cNvPr>
@@ -2868,7 +2868,7 @@
           <p:cNvPr id="4" name="日期占位符 3">
             <a:extLst>
               <a:ext uri="{FF2B5EF4-FFF2-40B4-BE49-F238E27FC236}">
-                <a16:creationId xmlns:a16="http://schemas.microsoft.com/office/drawing/2014/main" id="{EC689076-555A-5EDA-B4F8-DEBD91D11FE7}"/>
+                <a16:creationId xmlns:a16="http://schemas.microsoft.com/office/drawing/2014/main" id="{08C1415F-BE27-804C-14E1-1F2AED71A994}"/>
               </a:ext>
             </a:extLst>
           </p:cNvPr>
@@ -2902,7 +2902,7 @@
             </a:lvl1pPr>
           </a:lstStyle>
           <a:p>
-            <a:fld id="{E75F2451-3E8C-4261-BD39-340C0FC1B8A3}" type="datetimeFigureOut">
+            <a:fld id="{7B9AC5AA-DFAE-4600-BAD2-AA78411B2AD6}" type="datetimeFigureOut">
               <a:rPr lang="zh-CN" altLang="en-US" smtClean="0"/>
               <a:t>2024/3/10</a:t>
             </a:fld>
@@ -2915,7 +2915,7 @@
           <p:cNvPr id="5" name="页脚占位符 4">
             <a:extLst>
               <a:ext uri="{FF2B5EF4-FFF2-40B4-BE49-F238E27FC236}">
-                <a16:creationId xmlns:a16="http://schemas.microsoft.com/office/drawing/2014/main" id="{96DD850F-7A43-3639-D125-A08456109CED}"/>
+                <a16:creationId xmlns:a16="http://schemas.microsoft.com/office/drawing/2014/main" id="{84F11507-2797-B4E9-EC48-6829BFABE55C}"/>
               </a:ext>
             </a:extLst>
           </p:cNvPr>
@@ -2958,7 +2958,7 @@
           <p:cNvPr id="6" name="灯片编号占位符 5">
             <a:extLst>
               <a:ext uri="{FF2B5EF4-FFF2-40B4-BE49-F238E27FC236}">
-                <a16:creationId xmlns:a16="http://schemas.microsoft.com/office/drawing/2014/main" id="{868663B9-D738-13D7-C239-02E748AF8440}"/>
+                <a16:creationId xmlns:a16="http://schemas.microsoft.com/office/drawing/2014/main" id="{0AD86391-0F23-6E81-CA5D-1329E3067AF5}"/>
               </a:ext>
             </a:extLst>
           </p:cNvPr>
@@ -2992,7 +2992,7 @@
             </a:lvl1pPr>
           </a:lstStyle>
           <a:p>
-            <a:fld id="{7B1FC9C6-26B4-4462-89E3-C032A277A810}" type="slidenum">
+            <a:fld id="{8CE03247-273D-47A4-AA89-E4365486FFC1}" type="slidenum">
               <a:rPr lang="zh-CN" altLang="en-US" smtClean="0"/>
               <a:t>‹#›</a:t>
             </a:fld>
@@ -3003,7 +3003,7 @@
     </p:spTree>
     <p:extLst>
       <p:ext uri="{BB962C8B-B14F-4D97-AF65-F5344CB8AC3E}">
-        <p14:creationId xmlns:p14="http://schemas.microsoft.com/office/powerpoint/2010/main" val="3413217335"/>
+        <p14:creationId xmlns:p14="http://schemas.microsoft.com/office/powerpoint/2010/main" val="1245010056"/>
       </p:ext>
     </p:extLst>
   </p:cSld>
